--- a/Cheferone.pptx
+++ b/Cheferone.pptx
@@ -6,15 +6,14 @@
   </p:sldMasterIdLst>
   <p:sldIdLst>
     <p:sldId id="256" r:id="rId2"/>
-    <p:sldId id="265" r:id="rId3"/>
-    <p:sldId id="257" r:id="rId4"/>
-    <p:sldId id="258" r:id="rId5"/>
+    <p:sldId id="257" r:id="rId3"/>
+    <p:sldId id="258" r:id="rId4"/>
+    <p:sldId id="259" r:id="rId5"/>
     <p:sldId id="263" r:id="rId6"/>
     <p:sldId id="264" r:id="rId7"/>
     <p:sldId id="262" r:id="rId8"/>
-    <p:sldId id="266" r:id="rId9"/>
-    <p:sldId id="260" r:id="rId10"/>
-    <p:sldId id="261" r:id="rId11"/>
+    <p:sldId id="260" r:id="rId9"/>
+    <p:sldId id="261" r:id="rId10"/>
   </p:sldIdLst>
   <p:sldSz cx="12192000" cy="6858000"/>
   <p:notesSz cx="6858000" cy="9144000"/>
@@ -113,11 +112,6 @@
       </a:defRPr>
     </a:lvl9pPr>
   </p:defaultTextStyle>
-  <p:extLst>
-    <p:ext uri="{EFAFB233-063F-42B5-8137-9DF3F51BA10A}">
-      <p15:sldGuideLst xmlns:p15="http://schemas.microsoft.com/office/powerpoint/2012/main"/>
-    </p:ext>
-  </p:extLst>
 </p:presentation>
 </file>
 
@@ -5860,7 +5854,7 @@
           <a:lstStyle/>
           <a:p>
             <a:r>
-              <a:rPr lang="en-US" sz="6600" dirty="0"/>
+              <a:rPr lang="en-US" sz="6600" dirty="0" err="1"/>
               <a:t>Cheferone</a:t>
             </a:r>
             <a:endParaRPr lang="en-US" dirty="0"/>
@@ -5925,7 +5919,7 @@
                   <a:schemeClr val="tx1"/>
                 </a:solidFill>
               </a:rPr>
-              <a:t>Hamin</a:t>
+              <a:t>Hmain</a:t>
             </a:r>
             <a:r>
               <a:rPr lang="en-US" sz="2000" dirty="0">
@@ -5942,72 +5936,6 @@
     <p:extLst>
       <p:ext uri="{BB962C8B-B14F-4D97-AF65-F5344CB8AC3E}">
         <p14:creationId xmlns:p14="http://schemas.microsoft.com/office/powerpoint/2010/main" val="64837295"/>
-      </p:ext>
-    </p:extLst>
-  </p:cSld>
-  <p:clrMapOvr>
-    <a:masterClrMapping/>
-  </p:clrMapOvr>
-</p:sld>
-</file>
-
-<file path=ppt/slides/slide10.xml><?xml version="1.0" encoding="utf-8"?>
-<p:sld xmlns:a="http://schemas.openxmlformats.org/drawingml/2006/main" xmlns:r="http://schemas.openxmlformats.org/officeDocument/2006/relationships" xmlns:p="http://schemas.openxmlformats.org/presentationml/2006/main">
-  <p:cSld>
-    <p:spTree>
-      <p:nvGrpSpPr>
-        <p:cNvPr id="1" name=""/>
-        <p:cNvGrpSpPr/>
-        <p:nvPr/>
-      </p:nvGrpSpPr>
-      <p:grpSpPr>
-        <a:xfrm>
-          <a:off x="0" y="0"/>
-          <a:ext cx="0" cy="0"/>
-          <a:chOff x="0" y="0"/>
-          <a:chExt cx="0" cy="0"/>
-        </a:xfrm>
-      </p:grpSpPr>
-      <p:sp>
-        <p:nvSpPr>
-          <p:cNvPr id="2" name="Title 1">
-            <a:extLst>
-              <a:ext uri="{FF2B5EF4-FFF2-40B4-BE49-F238E27FC236}">
-                <a16:creationId xmlns:a16="http://schemas.microsoft.com/office/drawing/2014/main" id="{BA01F502-96BD-420A-B622-9AE5057FB989}"/>
-              </a:ext>
-            </a:extLst>
-          </p:cNvPr>
-          <p:cNvSpPr>
-            <a:spLocks noGrp="1"/>
-          </p:cNvSpPr>
-          <p:nvPr>
-            <p:ph type="title"/>
-          </p:nvPr>
-        </p:nvSpPr>
-        <p:spPr>
-          <a:xfrm>
-            <a:off x="677333" y="3096125"/>
-            <a:ext cx="10135045" cy="2550695"/>
-          </a:xfrm>
-        </p:spPr>
-        <p:txBody>
-          <a:bodyPr>
-            <a:normAutofit/>
-          </a:bodyPr>
-          <a:lstStyle/>
-          <a:p>
-            <a:pPr algn="ctr"/>
-            <a:r>
-              <a:rPr lang="en-US" sz="6600" dirty="0"/>
-              <a:t>Questions</a:t>
-            </a:r>
-          </a:p>
-        </p:txBody>
-      </p:sp>
-    </p:spTree>
-    <p:extLst>
-      <p:ext uri="{BB962C8B-B14F-4D97-AF65-F5344CB8AC3E}">
-        <p14:creationId xmlns:p14="http://schemas.microsoft.com/office/powerpoint/2010/main" val="1290000902"/>
       </p:ext>
     </p:extLst>
   </p:cSld>
@@ -6039,7 +5967,7 @@
           <p:cNvPr id="2" name="Title 1">
             <a:extLst>
               <a:ext uri="{FF2B5EF4-FFF2-40B4-BE49-F238E27FC236}">
-                <a16:creationId xmlns:a16="http://schemas.microsoft.com/office/drawing/2014/main" id="{4593A40C-458B-44A0-9999-47A761F08DA2}"/>
+                <a16:creationId xmlns:a16="http://schemas.microsoft.com/office/drawing/2014/main" id="{50A5CAE6-092B-4A9D-8332-F2740FF790A1}"/>
               </a:ext>
             </a:extLst>
           </p:cNvPr>
@@ -6050,30 +5978,29 @@
             <p:ph type="title"/>
           </p:nvPr>
         </p:nvSpPr>
-        <p:spPr/>
-        <p:txBody>
-          <a:bodyPr>
-            <a:normAutofit fontScale="90000"/>
-          </a:bodyPr>
+        <p:spPr>
+          <a:xfrm>
+            <a:off x="677334" y="385012"/>
+            <a:ext cx="8596668" cy="1122946"/>
+          </a:xfrm>
+        </p:spPr>
+        <p:txBody>
+          <a:bodyPr/>
           <a:lstStyle/>
           <a:p>
             <a:r>
               <a:rPr lang="en-US" dirty="0"/>
-              <a:t>“Cheferone allows beginner chefs to view recipes and add those recipes to a planner.” </a:t>
-            </a:r>
-            <a:br>
-              <a:rPr lang="en-US" dirty="0"/>
-            </a:br>
-            <a:endParaRPr lang="en-US" dirty="0"/>
-          </a:p>
-        </p:txBody>
-      </p:sp>
-      <p:sp>
-        <p:nvSpPr>
-          <p:cNvPr id="3" name="Text Placeholder 2">
+              <a:t>Vision Statement</a:t>
+            </a:r>
+          </a:p>
+        </p:txBody>
+      </p:sp>
+      <p:sp>
+        <p:nvSpPr>
+          <p:cNvPr id="3" name="Content Placeholder 2">
             <a:extLst>
               <a:ext uri="{FF2B5EF4-FFF2-40B4-BE49-F238E27FC236}">
-                <a16:creationId xmlns:a16="http://schemas.microsoft.com/office/drawing/2014/main" id="{A45347DC-4C87-42AB-939E-6F7E8FC4B399}"/>
+                <a16:creationId xmlns:a16="http://schemas.microsoft.com/office/drawing/2014/main" id="{4DDDB1F6-90F3-4B78-9881-22872FD6076C}"/>
               </a:ext>
             </a:extLst>
           </p:cNvPr>
@@ -6081,25 +6008,88 @@
             <a:spLocks noGrp="1"/>
           </p:cNvSpPr>
           <p:nvPr>
-            <p:ph type="body" idx="1"/>
-          </p:nvPr>
-        </p:nvSpPr>
-        <p:spPr/>
+            <p:ph idx="1"/>
+          </p:nvPr>
+        </p:nvSpPr>
+        <p:spPr>
+          <a:xfrm>
+            <a:off x="240633" y="1507958"/>
+            <a:ext cx="9352546" cy="5350042"/>
+          </a:xfrm>
+        </p:spPr>
         <p:txBody>
           <a:bodyPr/>
           <a:lstStyle/>
           <a:p>
-            <a:r>
-              <a:rPr lang="en-US" dirty="0"/>
-              <a:t>Vision Statement</a:t>
-            </a:r>
+            <a:pPr algn="just"/>
+            <a:r>
+              <a:rPr lang="en-US" sz="2000" dirty="0" err="1"/>
+              <a:t>Cheferone</a:t>
+            </a:r>
+            <a:r>
+              <a:rPr lang="en-US" sz="2000" dirty="0"/>
+              <a:t> allows beginner chefs to view recipes and add those recipes to a planner. On the planner you will be able see each of your individual recipes. Unlike competitors such as </a:t>
+            </a:r>
+            <a:r>
+              <a:rPr lang="en-US" sz="2000" dirty="0" err="1"/>
+              <a:t>AllRecipes</a:t>
+            </a:r>
+            <a:r>
+              <a:rPr lang="en-US" sz="2000" dirty="0"/>
+              <a:t> and </a:t>
+            </a:r>
+            <a:r>
+              <a:rPr lang="en-US" sz="2000" dirty="0" err="1"/>
+              <a:t>Spoonacular</a:t>
+            </a:r>
+            <a:r>
+              <a:rPr lang="en-US" sz="2000" dirty="0"/>
+              <a:t>, you will also be able to see your ingredients from each recipe in one centralized list! On this list, the quantities of ingredients will be combined! For example, a half a pound of beef from your spaghetti recipe and a half a pound of beef from your burger recipe will be simplified to one pound of beef. Because of these features, planning and shopping for your meals will be easier! No longer will you resort to your default shopping list because making a list with new recipes is such a hassle. </a:t>
+            </a:r>
+            <a:r>
+              <a:rPr lang="en-US" sz="2000" dirty="0" err="1"/>
+              <a:t>Cheferone</a:t>
+            </a:r>
+            <a:r>
+              <a:rPr lang="en-US" sz="2000" dirty="0"/>
+              <a:t> takes that hassle away in order create a better culinary experience.</a:t>
+            </a:r>
+          </a:p>
+          <a:p>
+            <a:pPr algn="just"/>
+            <a:r>
+              <a:rPr lang="en-US" sz="2000" dirty="0"/>
+              <a:t>To transform </a:t>
+            </a:r>
+            <a:r>
+              <a:rPr lang="en-US" sz="2000" dirty="0" err="1"/>
+              <a:t>Cheferone</a:t>
+            </a:r>
+            <a:r>
+              <a:rPr lang="en-US" sz="2000" dirty="0"/>
+              <a:t> from an idea to a usable app, the Foodies team will be utilizing Android Native for app development and the </a:t>
+            </a:r>
+            <a:r>
+              <a:rPr lang="en-US" sz="2000" dirty="0" err="1"/>
+              <a:t>Spoonacular</a:t>
+            </a:r>
+            <a:r>
+              <a:rPr lang="en-US" sz="2000" dirty="0"/>
+              <a:t> API so that any android user can access hundreds of thousands of recipes on this app.</a:t>
+            </a:r>
+          </a:p>
+          <a:p>
+            <a:pPr marL="0" indent="0">
+              <a:buNone/>
+            </a:pPr>
+            <a:endParaRPr lang="en-US" dirty="0"/>
           </a:p>
         </p:txBody>
       </p:sp>
     </p:spTree>
     <p:extLst>
       <p:ext uri="{BB962C8B-B14F-4D97-AF65-F5344CB8AC3E}">
-        <p14:creationId xmlns:p14="http://schemas.microsoft.com/office/powerpoint/2010/main" val="1743837367"/>
+        <p14:creationId xmlns:p14="http://schemas.microsoft.com/office/powerpoint/2010/main" val="3190527269"/>
       </p:ext>
     </p:extLst>
   </p:cSld>
@@ -6131,7 +6121,7 @@
           <p:cNvPr id="2" name="Title 1">
             <a:extLst>
               <a:ext uri="{FF2B5EF4-FFF2-40B4-BE49-F238E27FC236}">
-                <a16:creationId xmlns:a16="http://schemas.microsoft.com/office/drawing/2014/main" id="{50A5CAE6-092B-4A9D-8332-F2740FF790A1}"/>
+                <a16:creationId xmlns:a16="http://schemas.microsoft.com/office/drawing/2014/main" id="{5039F4FE-52FA-4D98-9C70-514DE8D15A46}"/>
               </a:ext>
             </a:extLst>
           </p:cNvPr>
@@ -6144,15 +6134,18 @@
         </p:nvSpPr>
         <p:spPr>
           <a:xfrm>
-            <a:off x="677334" y="385012"/>
-            <a:ext cx="8596668" cy="1122946"/>
+            <a:off x="677334" y="609600"/>
+            <a:ext cx="8596668" cy="818147"/>
           </a:xfrm>
         </p:spPr>
         <p:txBody>
           <a:bodyPr/>
           <a:lstStyle/>
           <a:p>
-            <a:endParaRPr lang="en-US" dirty="0"/>
+            <a:r>
+              <a:rPr lang="en-US" dirty="0"/>
+              <a:t>Demonstration</a:t>
+            </a:r>
           </a:p>
         </p:txBody>
       </p:sp>
@@ -6161,7 +6154,7 @@
           <p:cNvPr id="3" name="Content Placeholder 2">
             <a:extLst>
               <a:ext uri="{FF2B5EF4-FFF2-40B4-BE49-F238E27FC236}">
-                <a16:creationId xmlns:a16="http://schemas.microsoft.com/office/drawing/2014/main" id="{4DDDB1F6-90F3-4B78-9881-22872FD6076C}"/>
+                <a16:creationId xmlns:a16="http://schemas.microsoft.com/office/drawing/2014/main" id="{B715BC2E-101A-4869-AEA0-9CC68692BC2E}"/>
               </a:ext>
             </a:extLst>
           </p:cNvPr>
@@ -6172,43 +6165,41 @@
             <p:ph idx="1"/>
           </p:nvPr>
         </p:nvSpPr>
-        <p:spPr>
-          <a:xfrm>
-            <a:off x="240633" y="1507958"/>
-            <a:ext cx="9352546" cy="5350042"/>
-          </a:xfrm>
-        </p:spPr>
-        <p:txBody>
-          <a:bodyPr>
-            <a:normAutofit/>
-          </a:bodyPr>
-          <a:lstStyle/>
-          <a:p>
-            <a:pPr marL="0" indent="0" algn="just">
+        <p:spPr/>
+        <p:txBody>
+          <a:bodyPr/>
+          <a:lstStyle/>
+          <a:p>
+            <a:pPr marL="0" indent="0">
               <a:buNone/>
             </a:pPr>
             <a:r>
-              <a:rPr lang="en-US" sz="8000" b="1" dirty="0"/>
-              <a:t>           WHAT   </a:t>
-            </a:r>
-          </a:p>
-          <a:p>
-            <a:pPr marL="0" indent="0" algn="just">
+              <a:rPr lang="en-US" dirty="0"/>
+              <a:t>1.</a:t>
+            </a:r>
+          </a:p>
+          <a:p>
+            <a:pPr marL="0" indent="0">
               <a:buNone/>
             </a:pPr>
             <a:r>
-              <a:rPr lang="en-US" sz="8000" b="1" dirty="0"/>
-              <a:t>           WHY</a:t>
-            </a:r>
-          </a:p>
-          <a:p>
-            <a:pPr marL="0" indent="0" algn="just">
+              <a:rPr lang="en-US" dirty="0"/>
+              <a:t>2.</a:t>
+            </a:r>
+          </a:p>
+          <a:p>
+            <a:pPr marL="0" indent="0">
               <a:buNone/>
             </a:pPr>
             <a:r>
-              <a:rPr lang="en-US" sz="8000" b="1" dirty="0"/>
-              <a:t>           HOW</a:t>
-            </a:r>
+              <a:rPr lang="en-US" dirty="0"/>
+              <a:t>3.</a:t>
+            </a:r>
+          </a:p>
+          <a:p>
+            <a:pPr marL="0" indent="0">
+              <a:buNone/>
+            </a:pPr>
             <a:endParaRPr lang="en-US" dirty="0"/>
           </a:p>
         </p:txBody>
@@ -6216,7 +6207,7 @@
     </p:spTree>
     <p:extLst>
       <p:ext uri="{BB962C8B-B14F-4D97-AF65-F5344CB8AC3E}">
-        <p14:creationId xmlns:p14="http://schemas.microsoft.com/office/powerpoint/2010/main" val="3190527269"/>
+        <p14:creationId xmlns:p14="http://schemas.microsoft.com/office/powerpoint/2010/main" val="4206326279"/>
       </p:ext>
     </p:extLst>
   </p:cSld>
@@ -6248,7 +6239,7 @@
           <p:cNvPr id="2" name="Title 1">
             <a:extLst>
               <a:ext uri="{FF2B5EF4-FFF2-40B4-BE49-F238E27FC236}">
-                <a16:creationId xmlns:a16="http://schemas.microsoft.com/office/drawing/2014/main" id="{5039F4FE-52FA-4D98-9C70-514DE8D15A46}"/>
+                <a16:creationId xmlns:a16="http://schemas.microsoft.com/office/drawing/2014/main" id="{2197DF91-8765-4C88-9041-8131F11291AA}"/>
               </a:ext>
             </a:extLst>
           </p:cNvPr>
@@ -6262,7 +6253,7 @@
         <p:spPr>
           <a:xfrm>
             <a:off x="677334" y="609600"/>
-            <a:ext cx="8596668" cy="818147"/>
+            <a:ext cx="8596668" cy="850232"/>
           </a:xfrm>
         </p:spPr>
         <p:txBody>
@@ -6271,7 +6262,7 @@
           <a:p>
             <a:r>
               <a:rPr lang="en-US" dirty="0"/>
-              <a:t>Demonstration</a:t>
+              <a:t>User Interface Design</a:t>
             </a:r>
           </a:p>
         </p:txBody>
@@ -6281,7 +6272,7 @@
           <p:cNvPr id="3" name="Content Placeholder 2">
             <a:extLst>
               <a:ext uri="{FF2B5EF4-FFF2-40B4-BE49-F238E27FC236}">
-                <a16:creationId xmlns:a16="http://schemas.microsoft.com/office/drawing/2014/main" id="{B715BC2E-101A-4869-AEA0-9CC68692BC2E}"/>
+                <a16:creationId xmlns:a16="http://schemas.microsoft.com/office/drawing/2014/main" id="{CA18C07B-58B7-48DF-9D3B-781356A5DC02}"/>
               </a:ext>
             </a:extLst>
           </p:cNvPr>
@@ -6292,41 +6283,16 @@
             <p:ph idx="1"/>
           </p:nvPr>
         </p:nvSpPr>
-        <p:spPr/>
+        <p:spPr>
+          <a:xfrm>
+            <a:off x="677334" y="1684421"/>
+            <a:ext cx="8596668" cy="4356941"/>
+          </a:xfrm>
+        </p:spPr>
         <p:txBody>
           <a:bodyPr/>
           <a:lstStyle/>
           <a:p>
-            <a:pPr marL="0" indent="0">
-              <a:buNone/>
-            </a:pPr>
-            <a:r>
-              <a:rPr lang="en-US" sz="3600" dirty="0"/>
-              <a:t>1. Browse &amp; Search a recipe</a:t>
-            </a:r>
-          </a:p>
-          <a:p>
-            <a:pPr marL="0" indent="0">
-              <a:buNone/>
-            </a:pPr>
-            <a:r>
-              <a:rPr lang="en-US" sz="3600" dirty="0"/>
-              <a:t>2. Planned recipe</a:t>
-            </a:r>
-          </a:p>
-          <a:p>
-            <a:pPr marL="0" indent="0">
-              <a:buNone/>
-            </a:pPr>
-            <a:r>
-              <a:rPr lang="en-US" sz="3600" dirty="0"/>
-              <a:t>3. Aggravated ingredient</a:t>
-            </a:r>
-          </a:p>
-          <a:p>
-            <a:pPr marL="0" indent="0">
-              <a:buNone/>
-            </a:pPr>
             <a:endParaRPr lang="en-US" dirty="0"/>
           </a:p>
         </p:txBody>
@@ -6334,7 +6300,7 @@
     </p:spTree>
     <p:extLst>
       <p:ext uri="{BB962C8B-B14F-4D97-AF65-F5344CB8AC3E}">
-        <p14:creationId xmlns:p14="http://schemas.microsoft.com/office/powerpoint/2010/main" val="4206326279"/>
+        <p14:creationId xmlns:p14="http://schemas.microsoft.com/office/powerpoint/2010/main" val="3723741396"/>
       </p:ext>
     </p:extLst>
   </p:cSld>
@@ -6384,7 +6350,7 @@
           <a:p>
             <a:r>
               <a:rPr lang="en-US" dirty="0"/>
-              <a:t>UI / UX</a:t>
+              <a:t>UI</a:t>
             </a:r>
           </a:p>
         </p:txBody>
@@ -6503,16 +6469,7 @@
           <a:bodyPr/>
           <a:lstStyle/>
           <a:p>
-            <a:r>
-              <a:rPr lang="en-US" dirty="0"/>
-              <a:t>ROOM SQLite</a:t>
-            </a:r>
-          </a:p>
-          <a:p>
-            <a:r>
-              <a:rPr lang="en-US" dirty="0"/>
-              <a:t>Database table</a:t>
-            </a:r>
+            <a:endParaRPr lang="en-US" dirty="0"/>
           </a:p>
         </p:txBody>
       </p:sp>
@@ -6613,7 +6570,7 @@
           <p:cNvPr id="2" name="Title 1">
             <a:extLst>
               <a:ext uri="{FF2B5EF4-FFF2-40B4-BE49-F238E27FC236}">
-                <a16:creationId xmlns:a16="http://schemas.microsoft.com/office/drawing/2014/main" id="{1813D344-E823-4B90-87D6-CE1FBD271A1A}"/>
+                <a16:creationId xmlns:a16="http://schemas.microsoft.com/office/drawing/2014/main" id="{69A2335A-53C0-4E82-96BE-CB2518A3F12D}"/>
               </a:ext>
             </a:extLst>
           </p:cNvPr>
@@ -6624,68 +6581,30 @@
             <p:ph type="title"/>
           </p:nvPr>
         </p:nvSpPr>
-        <p:spPr/>
-        <p:txBody>
-          <a:bodyPr/>
-          <a:lstStyle/>
-          <a:p>
-            <a:r>
-              <a:rPr lang="en-US" dirty="0"/>
-              <a:t>Status Report</a:t>
-            </a:r>
-          </a:p>
-        </p:txBody>
-      </p:sp>
-      <p:sp>
-        <p:nvSpPr>
-          <p:cNvPr id="3" name="Content Placeholder 2">
-            <a:extLst>
-              <a:ext uri="{FF2B5EF4-FFF2-40B4-BE49-F238E27FC236}">
-                <a16:creationId xmlns:a16="http://schemas.microsoft.com/office/drawing/2014/main" id="{8C1FD1C4-33FF-4C41-8EC6-07683389E0B3}"/>
-              </a:ext>
-            </a:extLst>
-          </p:cNvPr>
-          <p:cNvSpPr>
-            <a:spLocks noGrp="1"/>
-          </p:cNvSpPr>
-          <p:nvPr>
-            <p:ph idx="1"/>
-          </p:nvPr>
-        </p:nvSpPr>
-        <p:spPr/>
-        <p:txBody>
-          <a:bodyPr/>
-          <a:lstStyle/>
-          <a:p>
-            <a:r>
-              <a:rPr lang="en-US" sz="3600" dirty="0"/>
-              <a:t> Implementation of API</a:t>
-            </a:r>
-          </a:p>
-          <a:p>
-            <a:r>
-              <a:rPr lang="en-US" sz="3600" dirty="0"/>
-              <a:t> Aggregated list</a:t>
-            </a:r>
-          </a:p>
-          <a:p>
-            <a:pPr marL="0" indent="0">
-              <a:buNone/>
-            </a:pPr>
-            <a:endParaRPr lang="en-US" sz="3600" dirty="0"/>
-          </a:p>
-          <a:p>
-            <a:endParaRPr lang="en-US" sz="3600" dirty="0"/>
-          </a:p>
-          <a:p>
-            <a:endParaRPr lang="en-US" dirty="0"/>
+        <p:spPr>
+          <a:xfrm>
+            <a:off x="677334" y="2711116"/>
+            <a:ext cx="10006708" cy="2566736"/>
+          </a:xfrm>
+        </p:spPr>
+        <p:txBody>
+          <a:bodyPr>
+            <a:normAutofit/>
+          </a:bodyPr>
+          <a:lstStyle/>
+          <a:p>
+            <a:pPr algn="ctr"/>
+            <a:r>
+              <a:rPr lang="en-US" sz="6600" dirty="0"/>
+              <a:t>Thank You</a:t>
+            </a:r>
           </a:p>
         </p:txBody>
       </p:sp>
     </p:spTree>
     <p:extLst>
       <p:ext uri="{BB962C8B-B14F-4D97-AF65-F5344CB8AC3E}">
-        <p14:creationId xmlns:p14="http://schemas.microsoft.com/office/powerpoint/2010/main" val="1242948511"/>
+        <p14:creationId xmlns:p14="http://schemas.microsoft.com/office/powerpoint/2010/main" val="28207331"/>
       </p:ext>
     </p:extLst>
   </p:cSld>
@@ -6717,7 +6636,7 @@
           <p:cNvPr id="2" name="Title 1">
             <a:extLst>
               <a:ext uri="{FF2B5EF4-FFF2-40B4-BE49-F238E27FC236}">
-                <a16:creationId xmlns:a16="http://schemas.microsoft.com/office/drawing/2014/main" id="{69A2335A-53C0-4E82-96BE-CB2518A3F12D}"/>
+                <a16:creationId xmlns:a16="http://schemas.microsoft.com/office/drawing/2014/main" id="{BA01F502-96BD-420A-B622-9AE5057FB989}"/>
               </a:ext>
             </a:extLst>
           </p:cNvPr>
@@ -6730,8 +6649,8 @@
         </p:nvSpPr>
         <p:spPr>
           <a:xfrm>
-            <a:off x="677334" y="2711116"/>
-            <a:ext cx="10006708" cy="2566736"/>
+            <a:off x="677333" y="3096125"/>
+            <a:ext cx="10135045" cy="2550695"/>
           </a:xfrm>
         </p:spPr>
         <p:txBody>
@@ -6743,7 +6662,7 @@
             <a:pPr algn="ctr"/>
             <a:r>
               <a:rPr lang="en-US" sz="6600" dirty="0"/>
-              <a:t>Thank You</a:t>
+              <a:t>Question</a:t>
             </a:r>
           </a:p>
         </p:txBody>
@@ -6751,7 +6670,7 @@
     </p:spTree>
     <p:extLst>
       <p:ext uri="{BB962C8B-B14F-4D97-AF65-F5344CB8AC3E}">
-        <p14:creationId xmlns:p14="http://schemas.microsoft.com/office/powerpoint/2010/main" val="28207331"/>
+        <p14:creationId xmlns:p14="http://schemas.microsoft.com/office/powerpoint/2010/main" val="1290000902"/>
       </p:ext>
     </p:extLst>
   </p:cSld>
